--- a/docs/Lectures/Week01/Week01_SoftwareInstallation.pptx
+++ b/docs/Lectures/Week01/Week01_SoftwareInstallation.pptx
@@ -20,10 +20,7 @@
     <p:sldId id="297" r:id="rId14"/>
     <p:sldId id="305" r:id="rId15"/>
     <p:sldId id="300" r:id="rId16"/>
-    <p:sldId id="302" r:id="rId17"/>
-    <p:sldId id="301" r:id="rId18"/>
-    <p:sldId id="303" r:id="rId19"/>
-    <p:sldId id="265" r:id="rId20"/>
+    <p:sldId id="306" r:id="rId17"/>
   </p:sldIdLst>
   <p:sldSz cx="12192000" cy="6858000"/>
   <p:notesSz cx="6858000" cy="9144000"/>
@@ -368,7 +365,7 @@
           <a:p>
             <a:fld id="{ED291B17-9318-49DB-B28B-6E5994AE9581}" type="datetime1">
               <a:rPr lang="en-US" smtClean="0"/>
-              <a:t>12/28/2024</a:t>
+              <a:t>1/2/2025</a:t>
             </a:fld>
             <a:endParaRPr lang="en-US" dirty="0"/>
           </a:p>
@@ -571,7 +568,7 @@
           <a:p>
             <a:fld id="{2CED4963-E985-44C4-B8C4-FDD613B7C2F8}" type="datetime1">
               <a:rPr lang="en-US" smtClean="0"/>
-              <a:t>12/28/2024</a:t>
+              <a:t>1/2/2025</a:t>
             </a:fld>
             <a:endParaRPr lang="en-US" dirty="0"/>
           </a:p>
@@ -933,7 +930,7 @@
           <a:p>
             <a:fld id="{ED291B17-9318-49DB-B28B-6E5994AE9581}" type="datetime1">
               <a:rPr lang="en-US" smtClean="0"/>
-              <a:t>12/28/2024</a:t>
+              <a:t>1/2/2025</a:t>
             </a:fld>
             <a:endParaRPr lang="en-US" dirty="0"/>
           </a:p>
@@ -1130,7 +1127,7 @@
           <a:p>
             <a:fld id="{78DD82B9-B8EE-4375-B6FF-88FA6ABB15D9}" type="datetime1">
               <a:rPr lang="en-US" smtClean="0"/>
-              <a:t>12/28/2024</a:t>
+              <a:t>1/2/2025</a:t>
             </a:fld>
             <a:endParaRPr lang="en-US" dirty="0"/>
           </a:p>
@@ -1441,7 +1438,7 @@
           <a:p>
             <a:fld id="{B2497495-0637-405E-AE64-5CC7506D51F5}" type="datetime1">
               <a:rPr lang="en-US" smtClean="0"/>
-              <a:t>12/28/2024</a:t>
+              <a:t>1/2/2025</a:t>
             </a:fld>
             <a:endParaRPr lang="en-US" dirty="0"/>
           </a:p>
@@ -1694,7 +1691,7 @@
           <a:p>
             <a:fld id="{7BFFD690-9426-415D-8B65-26881E07B2D4}" type="datetime1">
               <a:rPr lang="en-US" smtClean="0"/>
-              <a:t>12/28/2024</a:t>
+              <a:t>1/2/2025</a:t>
             </a:fld>
             <a:endParaRPr lang="en-US" dirty="0"/>
           </a:p>
@@ -2116,7 +2113,7 @@
           <a:p>
             <a:fld id="{04C4989A-474C-40DE-95B9-011C28B71673}" type="datetime1">
               <a:rPr lang="en-US" smtClean="0"/>
-              <a:t>12/28/2024</a:t>
+              <a:t>1/2/2025</a:t>
             </a:fld>
             <a:endParaRPr lang="en-US" dirty="0"/>
           </a:p>
@@ -2239,7 +2236,7 @@
           <a:p>
             <a:fld id="{5DB4ED54-5B5E-4A04-93D3-5772E3CE3818}" type="datetime1">
               <a:rPr lang="en-US" smtClean="0"/>
-              <a:t>12/28/2024</a:t>
+              <a:t>1/2/2025</a:t>
             </a:fld>
             <a:endParaRPr lang="en-US" dirty="0"/>
           </a:p>
@@ -2334,7 +2331,7 @@
           <a:p>
             <a:fld id="{4EDE50D6-574B-40AF-946F-D52A04ADE379}" type="datetime1">
               <a:rPr lang="en-US" smtClean="0"/>
-              <a:t>12/28/2024</a:t>
+              <a:t>1/2/2025</a:t>
             </a:fld>
             <a:endParaRPr lang="en-US" dirty="0"/>
           </a:p>
@@ -2711,7 +2708,7 @@
           <a:p>
             <a:fld id="{D82884F1-FFEA-405F-9602-3DCA865EDA4E}" type="datetime1">
               <a:rPr lang="en-US" smtClean="0"/>
-              <a:t>12/28/2024</a:t>
+              <a:t>1/2/2025</a:t>
             </a:fld>
             <a:endParaRPr lang="en-US" dirty="0"/>
           </a:p>
@@ -3004,7 +3001,7 @@
           <a:p>
             <a:fld id="{7E18DB4A-8810-4A10-AD5C-D5E2C667F5B3}" type="datetime1">
               <a:rPr lang="en-US" smtClean="0"/>
-              <a:t>12/28/2024</a:t>
+              <a:t>1/2/2025</a:t>
             </a:fld>
             <a:endParaRPr lang="en-US" dirty="0"/>
           </a:p>
@@ -3219,7 +3216,7 @@
           <a:p>
             <a:fld id="{ED291B17-9318-49DB-B28B-6E5994AE9581}" type="datetime1">
               <a:rPr lang="en-US" smtClean="0"/>
-              <a:t>12/28/2024</a:t>
+              <a:t>1/2/2025</a:t>
             </a:fld>
             <a:endParaRPr lang="en-US" dirty="0"/>
           </a:p>
@@ -4116,7 +4113,7 @@
                   <a:srgbClr val="FFFFFF"/>
                 </a:solidFill>
               </a:rPr>
-              <a:t>WEEK 02</a:t>
+              <a:t>WEEK 01</a:t>
             </a:r>
           </a:p>
         </p:txBody>
@@ -5133,7 +5130,7 @@
           <p:cNvPr id="2" name="Title 1">
             <a:extLst>
               <a:ext uri="{FF2B5EF4-FFF2-40B4-BE49-F238E27FC236}">
-                <a16:creationId xmlns:a16="http://schemas.microsoft.com/office/drawing/2014/main" id="{F8E88C8E-72C2-055A-0571-6119B8A0C265}"/>
+                <a16:creationId xmlns:a16="http://schemas.microsoft.com/office/drawing/2014/main" id="{F9301F28-92EB-261A-2EC2-5CAE13AFF9F8}"/>
               </a:ext>
             </a:extLst>
           </p:cNvPr>
@@ -5156,8 +5153,13 @@
           <a:p>
             <a:r>
               <a:rPr lang="en-US" dirty="0"/>
-              <a:t>Databases under server</a:t>
-            </a:r>
+              <a:t>A</a:t>
+            </a:r>
+            <a:r>
+              <a:rPr lang="en-US" altLang="zh-CN" dirty="0"/>
+              <a:t>ccess server in PGADMIN 4</a:t>
+            </a:r>
+            <a:endParaRPr lang="en-US" dirty="0"/>
           </a:p>
         </p:txBody>
       </p:sp>
@@ -5166,7 +5168,7 @@
           <p:cNvPr id="3" name="Content Placeholder 2">
             <a:extLst>
               <a:ext uri="{FF2B5EF4-FFF2-40B4-BE49-F238E27FC236}">
-                <a16:creationId xmlns:a16="http://schemas.microsoft.com/office/drawing/2014/main" id="{0B793DED-95A1-50F7-D917-CC627AE0DBA8}"/>
+                <a16:creationId xmlns:a16="http://schemas.microsoft.com/office/drawing/2014/main" id="{20370E30-5DFC-69AF-65D0-0CA430EB718E}"/>
               </a:ext>
             </a:extLst>
           </p:cNvPr>
@@ -5179,8 +5181,8 @@
         </p:nvSpPr>
         <p:spPr>
           <a:xfrm>
-            <a:off x="581192" y="1362456"/>
-            <a:ext cx="11029615" cy="2545402"/>
+            <a:off x="581192" y="1342748"/>
+            <a:ext cx="8495430" cy="861437"/>
           </a:xfrm>
         </p:spPr>
         <p:txBody>
@@ -5191,50 +5193,13 @@
           <a:p>
             <a:r>
               <a:rPr lang="en-US" dirty="0"/>
-              <a:t>The server contains two databases</a:t>
-            </a:r>
-          </a:p>
-          <a:p>
-            <a:pPr lvl="1"/>
-            <a:r>
-              <a:rPr lang="en-US" sz="1800" dirty="0"/>
-              <a:t>One is the default </a:t>
-            </a:r>
-            <a:r>
-              <a:rPr lang="en-US" sz="1800" dirty="0" err="1"/>
-              <a:t>postgres</a:t>
-            </a:r>
-            <a:r>
-              <a:rPr lang="en-US" sz="1800" dirty="0"/>
-              <a:t> database</a:t>
-            </a:r>
-          </a:p>
-          <a:p>
-            <a:pPr lvl="1"/>
-            <a:r>
-              <a:rPr lang="en-US" sz="1800" dirty="0"/>
-              <a:t>The other one is the database we created while installing PostgreSQL</a:t>
-            </a:r>
-          </a:p>
-          <a:p>
-            <a:pPr lvl="1"/>
-            <a:r>
-              <a:rPr lang="en-US" sz="1800" dirty="0"/>
-              <a:t>If one of the servers has a red cross on it means that it is not connected</a:t>
-            </a:r>
-          </a:p>
-          <a:p>
-            <a:pPr lvl="2"/>
-            <a:r>
-              <a:rPr lang="en-US" sz="1800" dirty="0"/>
-              <a:t>You can check on it to have access</a:t>
-            </a:r>
-          </a:p>
-          <a:p>
-            <a:pPr lvl="2"/>
-            <a:r>
-              <a:rPr lang="en-US" sz="1800" dirty="0"/>
-              <a:t>Sometimes you are required to provide the password</a:t>
+              <a:t>Right click the Servers in the left panel to register server</a:t>
+            </a:r>
+          </a:p>
+          <a:p>
+            <a:r>
+              <a:rPr lang="en-US" dirty="0"/>
+              <a:t>Name your server and input relevant information</a:t>
             </a:r>
           </a:p>
         </p:txBody>
@@ -5244,7 +5209,7 @@
           <p:cNvPr id="5" name="Picture 4">
             <a:extLst>
               <a:ext uri="{FF2B5EF4-FFF2-40B4-BE49-F238E27FC236}">
-                <a16:creationId xmlns:a16="http://schemas.microsoft.com/office/drawing/2014/main" id="{35C7EE35-2885-120C-5CD4-9490911DF756}"/>
+                <a16:creationId xmlns:a16="http://schemas.microsoft.com/office/drawing/2014/main" id="{50834493-EF75-6957-4E50-D5CA01324F96}"/>
               </a:ext>
             </a:extLst>
           </p:cNvPr>
@@ -5261,195 +5226,20 @@
         </p:blipFill>
         <p:spPr>
           <a:xfrm>
-            <a:off x="3708834" y="3907858"/>
-            <a:ext cx="6220164" cy="2377340"/>
+            <a:off x="270209" y="3365019"/>
+            <a:ext cx="5010150" cy="2790825"/>
           </a:xfrm>
           <a:prstGeom prst="rect">
             <a:avLst/>
           </a:prstGeom>
         </p:spPr>
       </p:pic>
-    </p:spTree>
-    <p:extLst>
-      <p:ext uri="{BB962C8B-B14F-4D97-AF65-F5344CB8AC3E}">
-        <p14:creationId xmlns:p14="http://schemas.microsoft.com/office/powerpoint/2010/main" val="569574396"/>
-      </p:ext>
-    </p:extLst>
-  </p:cSld>
-  <p:clrMapOvr>
-    <a:masterClrMapping/>
-  </p:clrMapOvr>
-</p:sld>
-</file>
-
-<file path=ppt/slides/slide17.xml><?xml version="1.0" encoding="utf-8"?>
-<p:sld xmlns:a="http://schemas.openxmlformats.org/drawingml/2006/main" xmlns:r="http://schemas.openxmlformats.org/officeDocument/2006/relationships" xmlns:p="http://schemas.openxmlformats.org/presentationml/2006/main">
-  <p:cSld>
-    <p:spTree>
-      <p:nvGrpSpPr>
-        <p:cNvPr id="1" name=""/>
-        <p:cNvGrpSpPr/>
-        <p:nvPr/>
-      </p:nvGrpSpPr>
-      <p:grpSpPr>
-        <a:xfrm>
-          <a:off x="0" y="0"/>
-          <a:ext cx="0" cy="0"/>
-          <a:chOff x="0" y="0"/>
-          <a:chExt cx="0" cy="0"/>
-        </a:xfrm>
-      </p:grpSpPr>
-      <p:sp>
-        <p:nvSpPr>
-          <p:cNvPr id="2" name="Title 1">
+      <p:pic>
+        <p:nvPicPr>
+          <p:cNvPr id="11" name="Picture 10">
             <a:extLst>
               <a:ext uri="{FF2B5EF4-FFF2-40B4-BE49-F238E27FC236}">
-                <a16:creationId xmlns:a16="http://schemas.microsoft.com/office/drawing/2014/main" id="{AADB0958-AE2C-B2C1-5B7C-F20B31A23CC4}"/>
-              </a:ext>
-            </a:extLst>
-          </p:cNvPr>
-          <p:cNvSpPr>
-            <a:spLocks noGrp="1"/>
-          </p:cNvSpPr>
-          <p:nvPr>
-            <p:ph type="title"/>
-          </p:nvPr>
-        </p:nvSpPr>
-        <p:spPr>
-          <a:xfrm>
-            <a:off x="581192" y="702156"/>
-            <a:ext cx="11029616" cy="550572"/>
-          </a:xfrm>
-        </p:spPr>
-        <p:txBody>
-          <a:bodyPr/>
-          <a:lstStyle/>
-          <a:p>
-            <a:r>
-              <a:rPr lang="en-US" dirty="0"/>
-              <a:t>Check extension under</a:t>
-            </a:r>
-          </a:p>
-        </p:txBody>
-      </p:sp>
-      <p:sp>
-        <p:nvSpPr>
-          <p:cNvPr id="3" name="Content Placeholder 2">
-            <a:extLst>
-              <a:ext uri="{FF2B5EF4-FFF2-40B4-BE49-F238E27FC236}">
-                <a16:creationId xmlns:a16="http://schemas.microsoft.com/office/drawing/2014/main" id="{4690FDB6-1A27-2624-C3B4-FA6EC334472B}"/>
-              </a:ext>
-            </a:extLst>
-          </p:cNvPr>
-          <p:cNvSpPr>
-            <a:spLocks noGrp="1"/>
-          </p:cNvSpPr>
-          <p:nvPr>
-            <p:ph idx="1"/>
-          </p:nvPr>
-        </p:nvSpPr>
-        <p:spPr>
-          <a:xfrm>
-            <a:off x="581192" y="1344292"/>
-            <a:ext cx="11029615" cy="1481203"/>
-          </a:xfrm>
-        </p:spPr>
-        <p:txBody>
-          <a:bodyPr>
-            <a:normAutofit fontScale="92500" lnSpcReduction="10000"/>
-          </a:bodyPr>
-          <a:lstStyle/>
-          <a:p>
-            <a:r>
-              <a:rPr lang="en-US" dirty="0"/>
-              <a:t>The default extension is </a:t>
-            </a:r>
-            <a:r>
-              <a:rPr lang="en-US" dirty="0" err="1"/>
-              <a:t>plpgsql</a:t>
-            </a:r>
-            <a:endParaRPr lang="en-US" dirty="0"/>
-          </a:p>
-          <a:p>
-            <a:r>
-              <a:rPr lang="en-US" dirty="0"/>
-              <a:t>Adding </a:t>
-            </a:r>
-            <a:r>
-              <a:rPr lang="en-US" dirty="0" err="1"/>
-              <a:t>postgis</a:t>
-            </a:r>
-            <a:r>
-              <a:rPr lang="en-US" dirty="0"/>
-              <a:t> extension through Query tool</a:t>
-            </a:r>
-          </a:p>
-          <a:p>
-            <a:r>
-              <a:rPr lang="en-US" dirty="0"/>
-              <a:t>Type ‘’CREATE EXTENSION </a:t>
-            </a:r>
-            <a:r>
-              <a:rPr lang="en-US" dirty="0" err="1"/>
-              <a:t>postgis</a:t>
-            </a:r>
-            <a:r>
-              <a:rPr lang="en-US" dirty="0"/>
-              <a:t>’’ in Query</a:t>
-            </a:r>
-          </a:p>
-          <a:p>
-            <a:r>
-              <a:rPr lang="en-US" dirty="0"/>
-              <a:t>Then the </a:t>
-            </a:r>
-            <a:r>
-              <a:rPr lang="en-US" dirty="0" err="1"/>
-              <a:t>postgis</a:t>
-            </a:r>
-            <a:r>
-              <a:rPr lang="en-US" dirty="0"/>
-              <a:t> extension was created under Extensions</a:t>
-            </a:r>
-          </a:p>
-        </p:txBody>
-      </p:sp>
-      <p:pic>
-        <p:nvPicPr>
-          <p:cNvPr id="5" name="Picture 4">
-            <a:extLst>
-              <a:ext uri="{FF2B5EF4-FFF2-40B4-BE49-F238E27FC236}">
-                <a16:creationId xmlns:a16="http://schemas.microsoft.com/office/drawing/2014/main" id="{9EAF39A8-F7A6-95DD-B51F-9AF17A0AC404}"/>
-              </a:ext>
-            </a:extLst>
-          </p:cNvPr>
-          <p:cNvPicPr>
-            <a:picLocks noChangeAspect="1"/>
-          </p:cNvPicPr>
-          <p:nvPr/>
-        </p:nvPicPr>
-        <p:blipFill>
-          <a:blip r:embed="rId2"/>
-          <a:stretch>
-            <a:fillRect/>
-          </a:stretch>
-        </p:blipFill>
-        <p:spPr>
-          <a:xfrm>
-            <a:off x="757641" y="3429000"/>
-            <a:ext cx="2952750" cy="2390775"/>
-          </a:xfrm>
-          <a:prstGeom prst="rect">
-            <a:avLst/>
-          </a:prstGeom>
-        </p:spPr>
-      </p:pic>
-      <p:pic>
-        <p:nvPicPr>
-          <p:cNvPr id="9" name="Picture 8">
-            <a:extLst>
-              <a:ext uri="{FF2B5EF4-FFF2-40B4-BE49-F238E27FC236}">
-                <a16:creationId xmlns:a16="http://schemas.microsoft.com/office/drawing/2014/main" id="{DBF502CC-757E-77CA-1C1D-DEC162F9CC3D}"/>
+                <a16:creationId xmlns:a16="http://schemas.microsoft.com/office/drawing/2014/main" id="{EA35CAE6-5EB2-6724-04D0-78E89D76810B}"/>
               </a:ext>
             </a:extLst>
           </p:cNvPr>
@@ -5466,129 +5256,20 @@
         </p:blipFill>
         <p:spPr>
           <a:xfrm>
-            <a:off x="5340309" y="3197208"/>
-            <a:ext cx="6270498" cy="3415836"/>
+            <a:off x="6529137" y="4141051"/>
+            <a:ext cx="4620126" cy="2716949"/>
           </a:xfrm>
           <a:prstGeom prst="rect">
             <a:avLst/>
           </a:prstGeom>
         </p:spPr>
       </p:pic>
-    </p:spTree>
-    <p:extLst>
-      <p:ext uri="{BB962C8B-B14F-4D97-AF65-F5344CB8AC3E}">
-        <p14:creationId xmlns:p14="http://schemas.microsoft.com/office/powerpoint/2010/main" val="1857406290"/>
-      </p:ext>
-    </p:extLst>
-  </p:cSld>
-  <p:clrMapOvr>
-    <a:masterClrMapping/>
-  </p:clrMapOvr>
-</p:sld>
-</file>
-
-<file path=ppt/slides/slide18.xml><?xml version="1.0" encoding="utf-8"?>
-<p:sld xmlns:a="http://schemas.openxmlformats.org/drawingml/2006/main" xmlns:r="http://schemas.openxmlformats.org/officeDocument/2006/relationships" xmlns:p="http://schemas.openxmlformats.org/presentationml/2006/main">
-  <p:cSld>
-    <p:spTree>
-      <p:nvGrpSpPr>
-        <p:cNvPr id="1" name=""/>
-        <p:cNvGrpSpPr/>
-        <p:nvPr/>
-      </p:nvGrpSpPr>
-      <p:grpSpPr>
-        <a:xfrm>
-          <a:off x="0" y="0"/>
-          <a:ext cx="0" cy="0"/>
-          <a:chOff x="0" y="0"/>
-          <a:chExt cx="0" cy="0"/>
-        </a:xfrm>
-      </p:grpSpPr>
-      <p:sp>
-        <p:nvSpPr>
-          <p:cNvPr id="2" name="Title 1">
+      <p:pic>
+        <p:nvPicPr>
+          <p:cNvPr id="13" name="Picture 12">
             <a:extLst>
               <a:ext uri="{FF2B5EF4-FFF2-40B4-BE49-F238E27FC236}">
-                <a16:creationId xmlns:a16="http://schemas.microsoft.com/office/drawing/2014/main" id="{31B56C93-37D4-91E7-54E2-DE30322DD09E}"/>
-              </a:ext>
-            </a:extLst>
-          </p:cNvPr>
-          <p:cNvSpPr>
-            <a:spLocks noGrp="1"/>
-          </p:cNvSpPr>
-          <p:nvPr>
-            <p:ph type="title"/>
-          </p:nvPr>
-        </p:nvSpPr>
-        <p:spPr>
-          <a:xfrm>
-            <a:off x="581192" y="702156"/>
-            <a:ext cx="11029616" cy="568860"/>
-          </a:xfrm>
-        </p:spPr>
-        <p:txBody>
-          <a:bodyPr/>
-          <a:lstStyle/>
-          <a:p>
-            <a:r>
-              <a:rPr lang="en-US" dirty="0"/>
-              <a:t>What if I do not (want to) use </a:t>
-            </a:r>
-            <a:r>
-              <a:rPr lang="en-US" dirty="0" err="1"/>
-              <a:t>pgadmin</a:t>
-            </a:r>
-            <a:endParaRPr lang="en-US" dirty="0"/>
-          </a:p>
-        </p:txBody>
-      </p:sp>
-      <p:sp>
-        <p:nvSpPr>
-          <p:cNvPr id="3" name="Content Placeholder 2">
-            <a:extLst>
-              <a:ext uri="{FF2B5EF4-FFF2-40B4-BE49-F238E27FC236}">
-                <a16:creationId xmlns:a16="http://schemas.microsoft.com/office/drawing/2014/main" id="{10087B82-C2B6-DDFA-BFDE-1FA232CC1694}"/>
-              </a:ext>
-            </a:extLst>
-          </p:cNvPr>
-          <p:cNvSpPr>
-            <a:spLocks noGrp="1"/>
-          </p:cNvSpPr>
-          <p:nvPr>
-            <p:ph idx="1"/>
-          </p:nvPr>
-        </p:nvSpPr>
-        <p:spPr>
-          <a:xfrm>
-            <a:off x="581193" y="1408557"/>
-            <a:ext cx="11029615" cy="1170432"/>
-          </a:xfrm>
-        </p:spPr>
-        <p:txBody>
-          <a:bodyPr>
-            <a:normAutofit/>
-          </a:bodyPr>
-          <a:lstStyle/>
-          <a:p>
-            <a:r>
-              <a:rPr lang="en-US" dirty="0"/>
-              <a:t>PSQL</a:t>
-            </a:r>
-          </a:p>
-          <a:p>
-            <a:r>
-              <a:rPr lang="en-US" dirty="0"/>
-              <a:t>Search SQL Shell in tool</a:t>
-            </a:r>
-          </a:p>
-        </p:txBody>
-      </p:sp>
-      <p:pic>
-        <p:nvPicPr>
-          <p:cNvPr id="5" name="Picture 4">
-            <a:extLst>
-              <a:ext uri="{FF2B5EF4-FFF2-40B4-BE49-F238E27FC236}">
-                <a16:creationId xmlns:a16="http://schemas.microsoft.com/office/drawing/2014/main" id="{7A4BBA7B-805A-D3E9-6280-AC555C727908}"/>
+                <a16:creationId xmlns:a16="http://schemas.microsoft.com/office/drawing/2014/main" id="{D9D7C3DD-4A05-6B7C-0991-DB8B6C65B721}"/>
               </a:ext>
             </a:extLst>
           </p:cNvPr>
@@ -5598,45 +5279,15 @@
           <p:nvPr/>
         </p:nvPicPr>
         <p:blipFill>
-          <a:blip r:embed="rId2"/>
+          <a:blip r:embed="rId4"/>
           <a:stretch>
             <a:fillRect/>
           </a:stretch>
         </p:blipFill>
         <p:spPr>
           <a:xfrm>
-            <a:off x="676465" y="3090862"/>
-            <a:ext cx="3286125" cy="676275"/>
-          </a:xfrm>
-          <a:prstGeom prst="rect">
-            <a:avLst/>
-          </a:prstGeom>
-        </p:spPr>
-      </p:pic>
-      <p:pic>
-        <p:nvPicPr>
-          <p:cNvPr id="7" name="Picture 6">
-            <a:extLst>
-              <a:ext uri="{FF2B5EF4-FFF2-40B4-BE49-F238E27FC236}">
-                <a16:creationId xmlns:a16="http://schemas.microsoft.com/office/drawing/2014/main" id="{EF654C9A-A101-4E53-60D9-B6B41DE493F4}"/>
-              </a:ext>
-            </a:extLst>
-          </p:cNvPr>
-          <p:cNvPicPr>
-            <a:picLocks noChangeAspect="1"/>
-          </p:cNvPicPr>
-          <p:nvPr/>
-        </p:nvPicPr>
-        <p:blipFill>
-          <a:blip r:embed="rId3"/>
-          <a:stretch>
-            <a:fillRect/>
-          </a:stretch>
-        </p:blipFill>
-        <p:spPr>
-          <a:xfrm>
-            <a:off x="4982908" y="3090862"/>
-            <a:ext cx="6962775" cy="3219450"/>
+            <a:off x="5341319" y="2643980"/>
+            <a:ext cx="6800850" cy="1057275"/>
           </a:xfrm>
           <a:prstGeom prst="rect">
             <a:avLst/>
@@ -5646,255 +5297,7 @@
     </p:spTree>
     <p:extLst>
       <p:ext uri="{BB962C8B-B14F-4D97-AF65-F5344CB8AC3E}">
-        <p14:creationId xmlns:p14="http://schemas.microsoft.com/office/powerpoint/2010/main" val="3620382018"/>
-      </p:ext>
-    </p:extLst>
-  </p:cSld>
-  <p:clrMapOvr>
-    <a:masterClrMapping/>
-  </p:clrMapOvr>
-</p:sld>
-</file>
-
-<file path=ppt/slides/slide19.xml><?xml version="1.0" encoding="utf-8"?>
-<p:sld xmlns:a="http://schemas.openxmlformats.org/drawingml/2006/main" xmlns:r="http://schemas.openxmlformats.org/officeDocument/2006/relationships" xmlns:p="http://schemas.openxmlformats.org/presentationml/2006/main">
-  <p:cSld>
-    <p:spTree>
-      <p:nvGrpSpPr>
-        <p:cNvPr id="1" name="">
-          <a:extLst>
-            <a:ext uri="{FF2B5EF4-FFF2-40B4-BE49-F238E27FC236}">
-              <a16:creationId xmlns:a16="http://schemas.microsoft.com/office/drawing/2014/main" id="{5AE1A827-5F7B-1C9B-DFDA-1A7B41DDD160}"/>
-            </a:ext>
-          </a:extLst>
-        </p:cNvPr>
-        <p:cNvGrpSpPr/>
-        <p:nvPr/>
-      </p:nvGrpSpPr>
-      <p:grpSpPr>
-        <a:xfrm>
-          <a:off x="0" y="0"/>
-          <a:ext cx="0" cy="0"/>
-          <a:chOff x="0" y="0"/>
-          <a:chExt cx="0" cy="0"/>
-        </a:xfrm>
-      </p:grpSpPr>
-      <p:pic>
-        <p:nvPicPr>
-          <p:cNvPr id="4" name="Picture 3" descr="A colorful background with waves&#10;&#10;Description automatically generated with medium confidence">
-            <a:extLst>
-              <a:ext uri="{FF2B5EF4-FFF2-40B4-BE49-F238E27FC236}">
-                <a16:creationId xmlns:a16="http://schemas.microsoft.com/office/drawing/2014/main" id="{80B863BA-C9D0-A0B2-5422-A717FE65BEA4}"/>
-              </a:ext>
-            </a:extLst>
-          </p:cNvPr>
-          <p:cNvPicPr>
-            <a:picLocks noChangeAspect="1"/>
-          </p:cNvPicPr>
-          <p:nvPr/>
-        </p:nvPicPr>
-        <p:blipFill>
-          <a:blip r:embed="rId2"/>
-          <a:srcRect r="11111"/>
-          <a:stretch/>
-        </p:blipFill>
-        <p:spPr>
-          <a:xfrm>
-            <a:off x="20" y="12"/>
-            <a:ext cx="12191980" cy="6857988"/>
-          </a:xfrm>
-          <a:prstGeom prst="rect">
-            <a:avLst/>
-          </a:prstGeom>
-        </p:spPr>
-      </p:pic>
-      <p:sp>
-        <p:nvSpPr>
-          <p:cNvPr id="2" name="Title 1">
-            <a:extLst>
-              <a:ext uri="{FF2B5EF4-FFF2-40B4-BE49-F238E27FC236}">
-                <a16:creationId xmlns:a16="http://schemas.microsoft.com/office/drawing/2014/main" id="{525F13AC-84C1-CB46-6321-DCE6853170D0}"/>
-              </a:ext>
-            </a:extLst>
-          </p:cNvPr>
-          <p:cNvSpPr>
-            <a:spLocks noGrp="1"/>
-          </p:cNvSpPr>
-          <p:nvPr>
-            <p:ph type="ctrTitle"/>
-          </p:nvPr>
-        </p:nvSpPr>
-        <p:spPr>
-          <a:xfrm>
-            <a:off x="837126" y="1693546"/>
-            <a:ext cx="4320227" cy="2009774"/>
-          </a:xfrm>
-        </p:spPr>
-        <p:txBody>
-          <a:bodyPr>
-            <a:normAutofit/>
-          </a:bodyPr>
-          <a:lstStyle/>
-          <a:p>
-            <a:r>
-              <a:rPr lang="en-US" sz="4000" dirty="0">
-                <a:solidFill>
-                  <a:srgbClr val="FFFFFF"/>
-                </a:solidFill>
-              </a:rPr>
-              <a:t>WEEK 02 </a:t>
-            </a:r>
-            <a:br>
-              <a:rPr lang="en-US" sz="4000" dirty="0">
-                <a:solidFill>
-                  <a:srgbClr val="FFFFFF"/>
-                </a:solidFill>
-              </a:rPr>
-            </a:br>
-            <a:br>
-              <a:rPr lang="en-US" sz="4000" dirty="0">
-                <a:solidFill>
-                  <a:srgbClr val="FFFFFF"/>
-                </a:solidFill>
-              </a:rPr>
-            </a:br>
-            <a:r>
-              <a:rPr lang="en-US" sz="4000" dirty="0">
-                <a:solidFill>
-                  <a:srgbClr val="FFFFFF"/>
-                </a:solidFill>
-              </a:rPr>
-              <a:t>Lab </a:t>
-            </a:r>
-            <a:r>
-              <a:rPr lang="en-US" altLang="zh-CN" sz="4000" dirty="0">
-                <a:solidFill>
-                  <a:srgbClr val="FFFFFF"/>
-                </a:solidFill>
-              </a:rPr>
-              <a:t>session</a:t>
-            </a:r>
-            <a:endParaRPr lang="en-US" sz="4000" dirty="0">
-              <a:solidFill>
-                <a:srgbClr val="FFFFFF"/>
-              </a:solidFill>
-            </a:endParaRPr>
-          </a:p>
-        </p:txBody>
-      </p:sp>
-      <p:sp>
-        <p:nvSpPr>
-          <p:cNvPr id="5" name="TextBox 4">
-            <a:extLst>
-              <a:ext uri="{FF2B5EF4-FFF2-40B4-BE49-F238E27FC236}">
-                <a16:creationId xmlns:a16="http://schemas.microsoft.com/office/drawing/2014/main" id="{9211D3B9-9728-4880-CDAB-01882AFA691F}"/>
-              </a:ext>
-            </a:extLst>
-          </p:cNvPr>
-          <p:cNvSpPr txBox="1"/>
-          <p:nvPr/>
-        </p:nvSpPr>
-        <p:spPr>
-          <a:xfrm>
-            <a:off x="837126" y="4289196"/>
-            <a:ext cx="3912124" cy="3046988"/>
-          </a:xfrm>
-          <a:prstGeom prst="rect">
-            <a:avLst/>
-          </a:prstGeom>
-          <a:noFill/>
-        </p:spPr>
-        <p:txBody>
-          <a:bodyPr wrap="square" rtlCol="0">
-            <a:spAutoFit/>
-          </a:bodyPr>
-          <a:lstStyle/>
-          <a:p>
-            <a:r>
-              <a:rPr lang="en-US" sz="3200" dirty="0">
-                <a:solidFill>
-                  <a:srgbClr val="FFFFFF">
-                    <a:alpha val="75000"/>
-                  </a:srgbClr>
-                </a:solidFill>
-              </a:rPr>
-              <a:t>Instructor: Yanan Wu</a:t>
-            </a:r>
-          </a:p>
-          <a:p>
-            <a:r>
-              <a:rPr lang="en-US" sz="3200" dirty="0">
-                <a:solidFill>
-                  <a:srgbClr val="FFFFFF">
-                    <a:alpha val="75000"/>
-                  </a:srgbClr>
-                </a:solidFill>
-              </a:rPr>
-              <a:t>TA: </a:t>
-            </a:r>
-            <a:r>
-              <a:rPr lang="en-US" sz="3200" dirty="0" err="1">
-                <a:solidFill>
-                  <a:srgbClr val="FFFFFF">
-                    <a:alpha val="75000"/>
-                  </a:srgbClr>
-                </a:solidFill>
-              </a:rPr>
-              <a:t>Vanchy</a:t>
-            </a:r>
-            <a:r>
-              <a:rPr lang="en-US" sz="3200" dirty="0">
-                <a:solidFill>
-                  <a:srgbClr val="FFFFFF">
-                    <a:alpha val="75000"/>
-                  </a:srgbClr>
-                </a:solidFill>
-              </a:rPr>
-              <a:t> Li</a:t>
-            </a:r>
-          </a:p>
-          <a:p>
-            <a:r>
-              <a:rPr lang="en-US" sz="3200" dirty="0">
-                <a:solidFill>
-                  <a:srgbClr val="FFFFFF">
-                    <a:alpha val="75000"/>
-                  </a:srgbClr>
-                </a:solidFill>
-              </a:rPr>
-              <a:t> </a:t>
-            </a:r>
-          </a:p>
-          <a:p>
-            <a:r>
-              <a:rPr lang="en-US" sz="3200" dirty="0">
-                <a:solidFill>
-                  <a:srgbClr val="FFFFFF">
-                    <a:alpha val="75000"/>
-                  </a:srgbClr>
-                </a:solidFill>
-              </a:rPr>
-              <a:t>Spring 2025</a:t>
-            </a:r>
-          </a:p>
-          <a:p>
-            <a:endParaRPr lang="en-US" sz="3200" dirty="0">
-              <a:solidFill>
-                <a:srgbClr val="FFFFFF">
-                  <a:alpha val="75000"/>
-                </a:srgbClr>
-              </a:solidFill>
-            </a:endParaRPr>
-          </a:p>
-          <a:p>
-            <a:endParaRPr lang="en-US" sz="3200" dirty="0"/>
-          </a:p>
-        </p:txBody>
-      </p:sp>
-    </p:spTree>
-    <p:extLst>
-      <p:ext uri="{BB962C8B-B14F-4D97-AF65-F5344CB8AC3E}">
-        <p14:creationId xmlns:p14="http://schemas.microsoft.com/office/powerpoint/2010/main" val="121643133"/>
+        <p14:creationId xmlns:p14="http://schemas.microsoft.com/office/powerpoint/2010/main" val="3653079269"/>
       </p:ext>
     </p:extLst>
   </p:cSld>
@@ -5990,7 +5393,7 @@
                   <a:srgbClr val="FFFFFF"/>
                 </a:solidFill>
               </a:rPr>
-              <a:t>WEEK 02 </a:t>
+              <a:t>WEEK 01 </a:t>
             </a:r>
             <a:br>
               <a:rPr lang="en-US" sz="4000" dirty="0">

--- a/docs/Lectures/Week01/Week01_SoftwareInstallation.pptx
+++ b/docs/Lectures/Week01/Week01_SoftwareInstallation.pptx
@@ -365,7 +365,7 @@
           <a:p>
             <a:fld id="{ED291B17-9318-49DB-B28B-6E5994AE9581}" type="datetime1">
               <a:rPr lang="en-US" smtClean="0"/>
-              <a:t>1/2/2025</a:t>
+              <a:t>1/4/2025</a:t>
             </a:fld>
             <a:endParaRPr lang="en-US" dirty="0"/>
           </a:p>
@@ -568,7 +568,7 @@
           <a:p>
             <a:fld id="{2CED4963-E985-44C4-B8C4-FDD613B7C2F8}" type="datetime1">
               <a:rPr lang="en-US" smtClean="0"/>
-              <a:t>1/2/2025</a:t>
+              <a:t>1/4/2025</a:t>
             </a:fld>
             <a:endParaRPr lang="en-US" dirty="0"/>
           </a:p>
@@ -930,7 +930,7 @@
           <a:p>
             <a:fld id="{ED291B17-9318-49DB-B28B-6E5994AE9581}" type="datetime1">
               <a:rPr lang="en-US" smtClean="0"/>
-              <a:t>1/2/2025</a:t>
+              <a:t>1/4/2025</a:t>
             </a:fld>
             <a:endParaRPr lang="en-US" dirty="0"/>
           </a:p>
@@ -1127,7 +1127,7 @@
           <a:p>
             <a:fld id="{78DD82B9-B8EE-4375-B6FF-88FA6ABB15D9}" type="datetime1">
               <a:rPr lang="en-US" smtClean="0"/>
-              <a:t>1/2/2025</a:t>
+              <a:t>1/4/2025</a:t>
             </a:fld>
             <a:endParaRPr lang="en-US" dirty="0"/>
           </a:p>
@@ -1438,7 +1438,7 @@
           <a:p>
             <a:fld id="{B2497495-0637-405E-AE64-5CC7506D51F5}" type="datetime1">
               <a:rPr lang="en-US" smtClean="0"/>
-              <a:t>1/2/2025</a:t>
+              <a:t>1/4/2025</a:t>
             </a:fld>
             <a:endParaRPr lang="en-US" dirty="0"/>
           </a:p>
@@ -1691,7 +1691,7 @@
           <a:p>
             <a:fld id="{7BFFD690-9426-415D-8B65-26881E07B2D4}" type="datetime1">
               <a:rPr lang="en-US" smtClean="0"/>
-              <a:t>1/2/2025</a:t>
+              <a:t>1/4/2025</a:t>
             </a:fld>
             <a:endParaRPr lang="en-US" dirty="0"/>
           </a:p>
@@ -2113,7 +2113,7 @@
           <a:p>
             <a:fld id="{04C4989A-474C-40DE-95B9-011C28B71673}" type="datetime1">
               <a:rPr lang="en-US" smtClean="0"/>
-              <a:t>1/2/2025</a:t>
+              <a:t>1/4/2025</a:t>
             </a:fld>
             <a:endParaRPr lang="en-US" dirty="0"/>
           </a:p>
@@ -2236,7 +2236,7 @@
           <a:p>
             <a:fld id="{5DB4ED54-5B5E-4A04-93D3-5772E3CE3818}" type="datetime1">
               <a:rPr lang="en-US" smtClean="0"/>
-              <a:t>1/2/2025</a:t>
+              <a:t>1/4/2025</a:t>
             </a:fld>
             <a:endParaRPr lang="en-US" dirty="0"/>
           </a:p>
@@ -2331,7 +2331,7 @@
           <a:p>
             <a:fld id="{4EDE50D6-574B-40AF-946F-D52A04ADE379}" type="datetime1">
               <a:rPr lang="en-US" smtClean="0"/>
-              <a:t>1/2/2025</a:t>
+              <a:t>1/4/2025</a:t>
             </a:fld>
             <a:endParaRPr lang="en-US" dirty="0"/>
           </a:p>
@@ -2708,7 +2708,7 @@
           <a:p>
             <a:fld id="{D82884F1-FFEA-405F-9602-3DCA865EDA4E}" type="datetime1">
               <a:rPr lang="en-US" smtClean="0"/>
-              <a:t>1/2/2025</a:t>
+              <a:t>1/4/2025</a:t>
             </a:fld>
             <a:endParaRPr lang="en-US" dirty="0"/>
           </a:p>
@@ -3001,7 +3001,7 @@
           <a:p>
             <a:fld id="{7E18DB4A-8810-4A10-AD5C-D5E2C667F5B3}" type="datetime1">
               <a:rPr lang="en-US" smtClean="0"/>
-              <a:t>1/2/2025</a:t>
+              <a:t>1/4/2025</a:t>
             </a:fld>
             <a:endParaRPr lang="en-US" dirty="0"/>
           </a:p>
@@ -3216,7 +3216,7 @@
           <a:p>
             <a:fld id="{ED291B17-9318-49DB-B28B-6E5994AE9581}" type="datetime1">
               <a:rPr lang="en-US" smtClean="0"/>
-              <a:t>1/2/2025</a:t>
+              <a:t>1/4/2025</a:t>
             </a:fld>
             <a:endParaRPr lang="en-US" dirty="0"/>
           </a:p>

--- a/docs/Lectures/Week01/Week01_SoftwareInstallation.pptx
+++ b/docs/Lectures/Week01/Week01_SoftwareInstallation.pptx
@@ -365,7 +365,7 @@
           <a:p>
             <a:fld id="{ED291B17-9318-49DB-B28B-6E5994AE9581}" type="datetime1">
               <a:rPr lang="en-US" smtClean="0"/>
-              <a:t>1/4/2025</a:t>
+              <a:t>1/12/2025</a:t>
             </a:fld>
             <a:endParaRPr lang="en-US" dirty="0"/>
           </a:p>
@@ -568,7 +568,7 @@
           <a:p>
             <a:fld id="{2CED4963-E985-44C4-B8C4-FDD613B7C2F8}" type="datetime1">
               <a:rPr lang="en-US" smtClean="0"/>
-              <a:t>1/4/2025</a:t>
+              <a:t>1/12/2025</a:t>
             </a:fld>
             <a:endParaRPr lang="en-US" dirty="0"/>
           </a:p>
@@ -930,7 +930,7 @@
           <a:p>
             <a:fld id="{ED291B17-9318-49DB-B28B-6E5994AE9581}" type="datetime1">
               <a:rPr lang="en-US" smtClean="0"/>
-              <a:t>1/4/2025</a:t>
+              <a:t>1/12/2025</a:t>
             </a:fld>
             <a:endParaRPr lang="en-US" dirty="0"/>
           </a:p>
@@ -1127,7 +1127,7 @@
           <a:p>
             <a:fld id="{78DD82B9-B8EE-4375-B6FF-88FA6ABB15D9}" type="datetime1">
               <a:rPr lang="en-US" smtClean="0"/>
-              <a:t>1/4/2025</a:t>
+              <a:t>1/12/2025</a:t>
             </a:fld>
             <a:endParaRPr lang="en-US" dirty="0"/>
           </a:p>
@@ -1438,7 +1438,7 @@
           <a:p>
             <a:fld id="{B2497495-0637-405E-AE64-5CC7506D51F5}" type="datetime1">
               <a:rPr lang="en-US" smtClean="0"/>
-              <a:t>1/4/2025</a:t>
+              <a:t>1/12/2025</a:t>
             </a:fld>
             <a:endParaRPr lang="en-US" dirty="0"/>
           </a:p>
@@ -1691,7 +1691,7 @@
           <a:p>
             <a:fld id="{7BFFD690-9426-415D-8B65-26881E07B2D4}" type="datetime1">
               <a:rPr lang="en-US" smtClean="0"/>
-              <a:t>1/4/2025</a:t>
+              <a:t>1/12/2025</a:t>
             </a:fld>
             <a:endParaRPr lang="en-US" dirty="0"/>
           </a:p>
@@ -2113,7 +2113,7 @@
           <a:p>
             <a:fld id="{04C4989A-474C-40DE-95B9-011C28B71673}" type="datetime1">
               <a:rPr lang="en-US" smtClean="0"/>
-              <a:t>1/4/2025</a:t>
+              <a:t>1/12/2025</a:t>
             </a:fld>
             <a:endParaRPr lang="en-US" dirty="0"/>
           </a:p>
@@ -2236,7 +2236,7 @@
           <a:p>
             <a:fld id="{5DB4ED54-5B5E-4A04-93D3-5772E3CE3818}" type="datetime1">
               <a:rPr lang="en-US" smtClean="0"/>
-              <a:t>1/4/2025</a:t>
+              <a:t>1/12/2025</a:t>
             </a:fld>
             <a:endParaRPr lang="en-US" dirty="0"/>
           </a:p>
@@ -2331,7 +2331,7 @@
           <a:p>
             <a:fld id="{4EDE50D6-574B-40AF-946F-D52A04ADE379}" type="datetime1">
               <a:rPr lang="en-US" smtClean="0"/>
-              <a:t>1/4/2025</a:t>
+              <a:t>1/12/2025</a:t>
             </a:fld>
             <a:endParaRPr lang="en-US" dirty="0"/>
           </a:p>
@@ -2708,7 +2708,7 @@
           <a:p>
             <a:fld id="{D82884F1-FFEA-405F-9602-3DCA865EDA4E}" type="datetime1">
               <a:rPr lang="en-US" smtClean="0"/>
-              <a:t>1/4/2025</a:t>
+              <a:t>1/12/2025</a:t>
             </a:fld>
             <a:endParaRPr lang="en-US" dirty="0"/>
           </a:p>
@@ -3001,7 +3001,7 @@
           <a:p>
             <a:fld id="{7E18DB4A-8810-4A10-AD5C-D5E2C667F5B3}" type="datetime1">
               <a:rPr lang="en-US" smtClean="0"/>
-              <a:t>1/4/2025</a:t>
+              <a:t>1/12/2025</a:t>
             </a:fld>
             <a:endParaRPr lang="en-US" dirty="0"/>
           </a:p>
@@ -3216,7 +3216,7 @@
           <a:p>
             <a:fld id="{ED291B17-9318-49DB-B28B-6E5994AE9581}" type="datetime1">
               <a:rPr lang="en-US" smtClean="0"/>
-              <a:t>1/4/2025</a:t>
+              <a:t>1/12/2025</a:t>
             </a:fld>
             <a:endParaRPr lang="en-US" dirty="0"/>
           </a:p>
@@ -5378,7 +5378,7 @@
         <p:spPr>
           <a:xfrm>
             <a:off x="837126" y="1693546"/>
-            <a:ext cx="4320227" cy="2009774"/>
+            <a:ext cx="5591383" cy="2009774"/>
           </a:xfrm>
         </p:spPr>
         <p:txBody>
@@ -5410,13 +5410,18 @@
               </a:rPr>
             </a:br>
             <a:r>
-              <a:rPr lang="en-US" sz="4000" dirty="0">
+              <a:rPr lang="en-US" altLang="zh-CN" sz="4000" dirty="0">
                 <a:solidFill>
                   <a:srgbClr val="FFFFFF"/>
                 </a:solidFill>
               </a:rPr>
-              <a:t>lecture session</a:t>
-            </a:r>
+              <a:t>software installation</a:t>
+            </a:r>
+            <a:endParaRPr lang="en-US" sz="4000" dirty="0">
+              <a:solidFill>
+                <a:srgbClr val="FFFFFF"/>
+              </a:solidFill>
+            </a:endParaRPr>
           </a:p>
         </p:txBody>
       </p:sp>

--- a/docs/Lectures/Week01/Week01_SoftwareInstallation.pptx
+++ b/docs/Lectures/Week01/Week01_SoftwareInstallation.pptx
@@ -365,7 +365,7 @@
           <a:p>
             <a:fld id="{ED291B17-9318-49DB-B28B-6E5994AE9581}" type="datetime1">
               <a:rPr lang="en-US" smtClean="0"/>
-              <a:t>1/12/2025</a:t>
+              <a:t>1/13/2025</a:t>
             </a:fld>
             <a:endParaRPr lang="en-US" dirty="0"/>
           </a:p>
@@ -568,7 +568,7 @@
           <a:p>
             <a:fld id="{2CED4963-E985-44C4-B8C4-FDD613B7C2F8}" type="datetime1">
               <a:rPr lang="en-US" smtClean="0"/>
-              <a:t>1/12/2025</a:t>
+              <a:t>1/13/2025</a:t>
             </a:fld>
             <a:endParaRPr lang="en-US" dirty="0"/>
           </a:p>
@@ -930,7 +930,7 @@
           <a:p>
             <a:fld id="{ED291B17-9318-49DB-B28B-6E5994AE9581}" type="datetime1">
               <a:rPr lang="en-US" smtClean="0"/>
-              <a:t>1/12/2025</a:t>
+              <a:t>1/13/2025</a:t>
             </a:fld>
             <a:endParaRPr lang="en-US" dirty="0"/>
           </a:p>
@@ -1127,7 +1127,7 @@
           <a:p>
             <a:fld id="{78DD82B9-B8EE-4375-B6FF-88FA6ABB15D9}" type="datetime1">
               <a:rPr lang="en-US" smtClean="0"/>
-              <a:t>1/12/2025</a:t>
+              <a:t>1/13/2025</a:t>
             </a:fld>
             <a:endParaRPr lang="en-US" dirty="0"/>
           </a:p>
@@ -1438,7 +1438,7 @@
           <a:p>
             <a:fld id="{B2497495-0637-405E-AE64-5CC7506D51F5}" type="datetime1">
               <a:rPr lang="en-US" smtClean="0"/>
-              <a:t>1/12/2025</a:t>
+              <a:t>1/13/2025</a:t>
             </a:fld>
             <a:endParaRPr lang="en-US" dirty="0"/>
           </a:p>
@@ -1691,7 +1691,7 @@
           <a:p>
             <a:fld id="{7BFFD690-9426-415D-8B65-26881E07B2D4}" type="datetime1">
               <a:rPr lang="en-US" smtClean="0"/>
-              <a:t>1/12/2025</a:t>
+              <a:t>1/13/2025</a:t>
             </a:fld>
             <a:endParaRPr lang="en-US" dirty="0"/>
           </a:p>
@@ -2113,7 +2113,7 @@
           <a:p>
             <a:fld id="{04C4989A-474C-40DE-95B9-011C28B71673}" type="datetime1">
               <a:rPr lang="en-US" smtClean="0"/>
-              <a:t>1/12/2025</a:t>
+              <a:t>1/13/2025</a:t>
             </a:fld>
             <a:endParaRPr lang="en-US" dirty="0"/>
           </a:p>
@@ -2236,7 +2236,7 @@
           <a:p>
             <a:fld id="{5DB4ED54-5B5E-4A04-93D3-5772E3CE3818}" type="datetime1">
               <a:rPr lang="en-US" smtClean="0"/>
-              <a:t>1/12/2025</a:t>
+              <a:t>1/13/2025</a:t>
             </a:fld>
             <a:endParaRPr lang="en-US" dirty="0"/>
           </a:p>
@@ -2331,7 +2331,7 @@
           <a:p>
             <a:fld id="{4EDE50D6-574B-40AF-946F-D52A04ADE379}" type="datetime1">
               <a:rPr lang="en-US" smtClean="0"/>
-              <a:t>1/12/2025</a:t>
+              <a:t>1/13/2025</a:t>
             </a:fld>
             <a:endParaRPr lang="en-US" dirty="0"/>
           </a:p>
@@ -2708,7 +2708,7 @@
           <a:p>
             <a:fld id="{D82884F1-FFEA-405F-9602-3DCA865EDA4E}" type="datetime1">
               <a:rPr lang="en-US" smtClean="0"/>
-              <a:t>1/12/2025</a:t>
+              <a:t>1/13/2025</a:t>
             </a:fld>
             <a:endParaRPr lang="en-US" dirty="0"/>
           </a:p>
@@ -3001,7 +3001,7 @@
           <a:p>
             <a:fld id="{7E18DB4A-8810-4A10-AD5C-D5E2C667F5B3}" type="datetime1">
               <a:rPr lang="en-US" smtClean="0"/>
-              <a:t>1/12/2025</a:t>
+              <a:t>1/13/2025</a:t>
             </a:fld>
             <a:endParaRPr lang="en-US" dirty="0"/>
           </a:p>
@@ -3216,7 +3216,7 @@
           <a:p>
             <a:fld id="{ED291B17-9318-49DB-B28B-6E5994AE9581}" type="datetime1">
               <a:rPr lang="en-US" smtClean="0"/>
-              <a:t>1/12/2025</a:t>
+              <a:t>1/13/2025</a:t>
             </a:fld>
             <a:endParaRPr lang="en-US" dirty="0"/>
           </a:p>
@@ -3876,7 +3876,7 @@
                 <a16:creationId xmlns:a16="http://schemas.microsoft.com/office/drawing/2014/main" id="{875485B9-8EE1-447A-9C08-F7D6B532A8CF}"/>
               </a:ext>
               <a:ext uri="{C183D7F6-B498-43B3-948B-1728B52AA6E4}">
-                <adec:decorative xmlns:adec="http://schemas.microsoft.com/office/drawing/2017/decorative" val="1"/>
+                <adec:decorative xmlns:adec="http://schemas.microsoft.com/office/drawing/2017/decorative" xmlns="" val="1"/>
               </a:ext>
             </a:extLst>
           </p:cNvPr>
@@ -3965,7 +3965,7 @@
                 <a16:creationId xmlns:a16="http://schemas.microsoft.com/office/drawing/2014/main" id="{B963707F-B98C-4143-AFCF-D6B56C975C5A}"/>
               </a:ext>
               <a:ext uri="{C183D7F6-B498-43B3-948B-1728B52AA6E4}">
-                <adec:decorative xmlns:adec="http://schemas.microsoft.com/office/drawing/2017/decorative" val="1"/>
+                <adec:decorative xmlns:adec="http://schemas.microsoft.com/office/drawing/2017/decorative" xmlns="" val="1"/>
               </a:ext>
             </a:extLst>
           </p:cNvPr>
@@ -4026,7 +4026,7 @@
                 <a16:creationId xmlns:a16="http://schemas.microsoft.com/office/drawing/2014/main" id="{88D2DFBB-460D-4ECB-BD76-509C99DAD65A}"/>
               </a:ext>
               <a:ext uri="{C183D7F6-B498-43B3-948B-1728B52AA6E4}">
-                <adec:decorative xmlns:adec="http://schemas.microsoft.com/office/drawing/2017/decorative" val="1"/>
+                <adec:decorative xmlns:adec="http://schemas.microsoft.com/office/drawing/2017/decorative" xmlns="" val="1"/>
               </a:ext>
             </a:extLst>
           </p:cNvPr>
@@ -5402,6 +5402,14 @@
                 </a:solidFill>
               </a:rPr>
             </a:br>
+            <a:r>
+              <a:rPr lang="en-US" sz="4000" dirty="0">
+                <a:solidFill>
+                  <a:srgbClr val="FFFFFF"/>
+                </a:solidFill>
+              </a:rPr>
+              <a:t/>
+            </a:r>
             <a:br>
               <a:rPr lang="en-US" sz="4000" dirty="0">
                 <a:solidFill>
@@ -5544,6 +5552,13 @@
   <p:clrMapOvr>
     <a:masterClrMapping/>
   </p:clrMapOvr>
+  <p:timing>
+    <p:tnLst>
+      <p:par>
+        <p:cTn id="1" dur="indefinite" restart="never" nodeType="tmRoot"/>
+      </p:par>
+    </p:tnLst>
+  </p:timing>
 </p:sld>
 </file>
 
@@ -5728,6 +5743,13 @@
   <p:clrMapOvr>
     <a:masterClrMapping/>
   </p:clrMapOvr>
+  <p:timing>
+    <p:tnLst>
+      <p:par>
+        <p:cTn id="1" dur="indefinite" restart="never" nodeType="tmRoot"/>
+      </p:par>
+    </p:tnLst>
+  </p:timing>
 </p:sld>
 </file>
 
@@ -5954,6 +5976,13 @@
   <p:clrMapOvr>
     <a:masterClrMapping/>
   </p:clrMapOvr>
+  <p:timing>
+    <p:tnLst>
+      <p:par>
+        <p:cTn id="1" dur="indefinite" restart="never" nodeType="tmRoot"/>
+      </p:par>
+    </p:tnLst>
+  </p:timing>
 </p:sld>
 </file>
 
@@ -6213,6 +6242,13 @@
   <p:clrMapOvr>
     <a:masterClrMapping/>
   </p:clrMapOvr>
+  <p:timing>
+    <p:tnLst>
+      <p:par>
+        <p:cTn id="1" dur="indefinite" restart="never" nodeType="tmRoot"/>
+      </p:par>
+    </p:tnLst>
+  </p:timing>
 </p:sld>
 </file>
 
